--- a/week 5/20230225 session 5.pptx
+++ b/week 5/20230225 session 5.pptx
@@ -5,7 +5,7 @@
     <p:sldMasterId id="2147483648" r:id="rId1"/>
   </p:sldMasterIdLst>
   <p:notesMasterIdLst>
-    <p:notesMasterId r:id="rId29"/>
+    <p:notesMasterId r:id="rId33"/>
   </p:notesMasterIdLst>
   <p:sldIdLst>
     <p:sldId id="256" r:id="rId2"/>
@@ -35,6 +35,10 @@
     <p:sldId id="333" r:id="rId26"/>
     <p:sldId id="334" r:id="rId27"/>
     <p:sldId id="335" r:id="rId28"/>
+    <p:sldId id="339" r:id="rId29"/>
+    <p:sldId id="340" r:id="rId30"/>
+    <p:sldId id="341" r:id="rId31"/>
+    <p:sldId id="342" r:id="rId32"/>
   </p:sldIdLst>
   <p:sldSz cx="12192000" cy="6858000"/>
   <p:notesSz cx="6858000" cy="9144000"/>
@@ -223,7 +227,7 @@
           <a:p>
             <a:fld id="{BCDF238E-660C-734F-A301-FC72490926CA}" type="datetimeFigureOut">
               <a:rPr lang="en-US" smtClean="0"/>
-              <a:t>2/27/23</a:t>
+              <a:t>3/1/23</a:t>
             </a:fld>
             <a:endParaRPr lang="en-US"/>
           </a:p>
@@ -1162,7 +1166,7 @@
             <a:fld id="{1B01F6BC-EC2F-624A-8ACC-A70708598F9D}" type="datetimeFigureOut">
               <a:rPr lang="en-US" smtClean="0"/>
               <a:pPr/>
-              <a:t>2/25/23</a:t>
+              <a:t>3/1/23</a:t>
             </a:fld>
             <a:endParaRPr lang="en-US" dirty="0"/>
           </a:p>
@@ -1526,7 +1530,7 @@
           <a:p>
             <a:fld id="{1B01F6BC-EC2F-624A-8ACC-A70708598F9D}" type="datetimeFigureOut">
               <a:rPr lang="en-US" smtClean="0"/>
-              <a:t>2/25/23</a:t>
+              <a:t>3/1/23</a:t>
             </a:fld>
             <a:endParaRPr lang="en-US"/>
           </a:p>
@@ -1894,7 +1898,7 @@
           <a:p>
             <a:fld id="{1B01F6BC-EC2F-624A-8ACC-A70708598F9D}" type="datetimeFigureOut">
               <a:rPr lang="en-US" smtClean="0"/>
-              <a:t>2/25/23</a:t>
+              <a:t>3/1/23</a:t>
             </a:fld>
             <a:endParaRPr lang="en-US"/>
           </a:p>
@@ -2438,7 +2442,7 @@
           <a:p>
             <a:fld id="{1B01F6BC-EC2F-624A-8ACC-A70708598F9D}" type="datetimeFigureOut">
               <a:rPr lang="en-US" smtClean="0"/>
-              <a:t>2/25/23</a:t>
+              <a:t>3/1/23</a:t>
             </a:fld>
             <a:endParaRPr lang="en-US"/>
           </a:p>
@@ -2554,7 +2558,7 @@
           <a:p>
             <a:fld id="{1B01F6BC-EC2F-624A-8ACC-A70708598F9D}" type="datetimeFigureOut">
               <a:rPr lang="en-US" smtClean="0"/>
-              <a:t>2/25/23</a:t>
+              <a:t>3/1/23</a:t>
             </a:fld>
             <a:endParaRPr lang="en-US"/>
           </a:p>
@@ -2730,7 +2734,7 @@
           <a:p>
             <a:fld id="{1B01F6BC-EC2F-624A-8ACC-A70708598F9D}" type="datetimeFigureOut">
               <a:rPr lang="en-US" smtClean="0"/>
-              <a:t>2/25/23</a:t>
+              <a:t>3/1/23</a:t>
             </a:fld>
             <a:endParaRPr lang="en-US"/>
           </a:p>
@@ -3114,7 +3118,7 @@
             <a:fld id="{1B01F6BC-EC2F-624A-8ACC-A70708598F9D}" type="datetimeFigureOut">
               <a:rPr lang="en-US" smtClean="0"/>
               <a:pPr/>
-              <a:t>2/25/23</a:t>
+              <a:t>3/1/23</a:t>
             </a:fld>
             <a:endParaRPr lang="en-US" dirty="0"/>
           </a:p>
@@ -4215,6 +4219,53 @@
           </a:p>
         </p:txBody>
       </p:sp>
+      <p:cxnSp>
+        <p:nvCxnSpPr>
+          <p:cNvPr id="6" name="Elbow Connector 5">
+            <a:extLst>
+              <a:ext uri="{FF2B5EF4-FFF2-40B4-BE49-F238E27FC236}">
+                <a16:creationId xmlns:a16="http://schemas.microsoft.com/office/drawing/2014/main" id="{02FFA3BA-46C9-F987-76A2-05F0C06E7F3D}"/>
+              </a:ext>
+            </a:extLst>
+          </p:cNvPr>
+          <p:cNvCxnSpPr>
+            <a:endCxn id="16" idx="1"/>
+          </p:cNvCxnSpPr>
+          <p:nvPr/>
+        </p:nvCxnSpPr>
+        <p:spPr>
+          <a:xfrm>
+            <a:off x="2525486" y="3668485"/>
+            <a:ext cx="4910887" cy="1883812"/>
+          </a:xfrm>
+          <a:prstGeom prst="bentConnector3">
+            <a:avLst>
+              <a:gd name="adj1" fmla="val 791"/>
+            </a:avLst>
+          </a:prstGeom>
+          <a:ln w="76200">
+            <a:solidFill>
+              <a:schemeClr val="tx1"/>
+            </a:solidFill>
+            <a:prstDash val="dash"/>
+            <a:tailEnd type="none"/>
+          </a:ln>
+        </p:spPr>
+        <p:style>
+          <a:lnRef idx="1">
+            <a:schemeClr val="accent1"/>
+          </a:lnRef>
+          <a:fillRef idx="0">
+            <a:schemeClr val="accent1"/>
+          </a:fillRef>
+          <a:effectRef idx="0">
+            <a:schemeClr val="accent1"/>
+          </a:effectRef>
+          <a:fontRef idx="minor">
+            <a:schemeClr val="tx1"/>
+          </a:fontRef>
+        </p:style>
+      </p:cxnSp>
     </p:spTree>
     <p:extLst>
       <p:ext uri="{BB962C8B-B14F-4D97-AF65-F5344CB8AC3E}">
@@ -4296,6 +4347,12 @@
             <a:r>
               <a:rPr lang="en-US" dirty="0"/>
               <a:t>HTML</a:t>
+            </a:r>
+          </a:p>
+          <a:p>
+            <a:r>
+              <a:rPr lang="en-US" dirty="0"/>
+              <a:t>Use cases</a:t>
             </a:r>
           </a:p>
         </p:txBody>
@@ -7180,6 +7237,12 @@
               <a:t>HTML</a:t>
             </a:r>
           </a:p>
+          <a:p>
+            <a:r>
+              <a:rPr lang="en-US" dirty="0"/>
+              <a:t>Use cases</a:t>
+            </a:r>
+          </a:p>
         </p:txBody>
       </p:sp>
       <p:cxnSp>
@@ -7999,6 +8062,12 @@
             <a:r>
               <a:rPr lang="en-US" dirty="0"/>
               <a:t>HTML</a:t>
+            </a:r>
+          </a:p>
+          <a:p>
+            <a:r>
+              <a:rPr lang="en-US" dirty="0"/>
+              <a:t>Use cases</a:t>
             </a:r>
           </a:p>
         </p:txBody>
@@ -14107,6 +14176,538 @@
 </p:sld>
 </file>
 
+<file path=ppt/slides/slide28.xml><?xml version="1.0" encoding="utf-8"?>
+<p:sld xmlns:a="http://schemas.openxmlformats.org/drawingml/2006/main" xmlns:r="http://schemas.openxmlformats.org/officeDocument/2006/relationships" xmlns:p="http://schemas.openxmlformats.org/presentationml/2006/main">
+  <p:cSld>
+    <p:spTree>
+      <p:nvGrpSpPr>
+        <p:cNvPr id="1" name=""/>
+        <p:cNvGrpSpPr/>
+        <p:nvPr/>
+      </p:nvGrpSpPr>
+      <p:grpSpPr>
+        <a:xfrm>
+          <a:off x="0" y="0"/>
+          <a:ext cx="0" cy="0"/>
+          <a:chOff x="0" y="0"/>
+          <a:chExt cx="0" cy="0"/>
+        </a:xfrm>
+      </p:grpSpPr>
+      <p:sp>
+        <p:nvSpPr>
+          <p:cNvPr id="6" name="Content Placeholder 2">
+            <a:extLst>
+              <a:ext uri="{FF2B5EF4-FFF2-40B4-BE49-F238E27FC236}">
+                <a16:creationId xmlns:a16="http://schemas.microsoft.com/office/drawing/2014/main" id="{AA05B8B0-048C-0020-27EF-724D2BC614C3}"/>
+              </a:ext>
+            </a:extLst>
+          </p:cNvPr>
+          <p:cNvSpPr>
+            <a:spLocks noGrp="1"/>
+          </p:cNvSpPr>
+          <p:nvPr>
+            <p:ph idx="1" hasCustomPrompt="1"/>
+          </p:nvPr>
+        </p:nvSpPr>
+        <p:spPr>
+          <a:xfrm>
+            <a:off x="2754630" y="1609733"/>
+            <a:ext cx="9056370" cy="4791067"/>
+          </a:xfrm>
+        </p:spPr>
+        <p:txBody>
+          <a:bodyPr>
+            <a:normAutofit/>
+          </a:bodyPr>
+          <a:lstStyle>
+            <a:lvl1pPr marL="0" indent="0">
+              <a:lnSpc>
+                <a:spcPct val="150000"/>
+              </a:lnSpc>
+              <a:buNone/>
+              <a:defRPr/>
+            </a:lvl1pPr>
+          </a:lstStyle>
+          <a:p>
+            <a:r>
+              <a:rPr lang="en-US" dirty="0"/>
+              <a:t>The internet</a:t>
+            </a:r>
+          </a:p>
+          <a:p>
+            <a:r>
+              <a:rPr lang="en-US" dirty="0"/>
+              <a:t>Browsers</a:t>
+            </a:r>
+          </a:p>
+          <a:p>
+            <a:r>
+              <a:rPr lang="en-US" dirty="0"/>
+              <a:t>HTML</a:t>
+            </a:r>
+          </a:p>
+          <a:p>
+            <a:r>
+              <a:rPr lang="en-US" dirty="0"/>
+              <a:t>Use cases</a:t>
+            </a:r>
+          </a:p>
+        </p:txBody>
+      </p:sp>
+      <p:cxnSp>
+        <p:nvCxnSpPr>
+          <p:cNvPr id="7" name="Straight Connector 6">
+            <a:extLst>
+              <a:ext uri="{FF2B5EF4-FFF2-40B4-BE49-F238E27FC236}">
+                <a16:creationId xmlns:a16="http://schemas.microsoft.com/office/drawing/2014/main" id="{D8CB1452-40C2-55A2-83FF-B465BD888E0E}"/>
+              </a:ext>
+            </a:extLst>
+          </p:cNvPr>
+          <p:cNvCxnSpPr>
+            <a:cxnSpLocks/>
+          </p:cNvCxnSpPr>
+          <p:nvPr/>
+        </p:nvCxnSpPr>
+        <p:spPr>
+          <a:xfrm>
+            <a:off x="2343150" y="1143000"/>
+            <a:ext cx="0" cy="5257800"/>
+          </a:xfrm>
+          <a:prstGeom prst="line">
+            <a:avLst/>
+          </a:prstGeom>
+          <a:ln w="38100">
+            <a:solidFill>
+              <a:schemeClr val="bg2">
+                <a:lumMod val="50000"/>
+              </a:schemeClr>
+            </a:solidFill>
+          </a:ln>
+        </p:spPr>
+        <p:style>
+          <a:lnRef idx="1">
+            <a:schemeClr val="accent1"/>
+          </a:lnRef>
+          <a:fillRef idx="0">
+            <a:schemeClr val="accent1"/>
+          </a:fillRef>
+          <a:effectRef idx="0">
+            <a:schemeClr val="accent1"/>
+          </a:effectRef>
+          <a:fontRef idx="minor">
+            <a:schemeClr val="tx1"/>
+          </a:fontRef>
+        </p:style>
+      </p:cxnSp>
+      <p:sp>
+        <p:nvSpPr>
+          <p:cNvPr id="8" name="Content Placeholder 2">
+            <a:extLst>
+              <a:ext uri="{FF2B5EF4-FFF2-40B4-BE49-F238E27FC236}">
+                <a16:creationId xmlns:a16="http://schemas.microsoft.com/office/drawing/2014/main" id="{A8A5F3C0-7AC9-2AB7-469D-7D7C3C81146C}"/>
+              </a:ext>
+            </a:extLst>
+          </p:cNvPr>
+          <p:cNvSpPr txBox="1">
+            <a:spLocks/>
+          </p:cNvSpPr>
+          <p:nvPr/>
+        </p:nvSpPr>
+        <p:spPr>
+          <a:xfrm>
+            <a:off x="381967" y="1614813"/>
+            <a:ext cx="1706674" cy="742950"/>
+          </a:xfrm>
+          <a:prstGeom prst="rect">
+            <a:avLst/>
+          </a:prstGeom>
+        </p:spPr>
+        <p:txBody>
+          <a:bodyPr vert="horz" lIns="91440" tIns="45720" rIns="91440" bIns="45720" rtlCol="0">
+            <a:normAutofit/>
+          </a:bodyPr>
+          <a:lstStyle>
+            <a:lvl1pPr marL="228600" indent="-228600" algn="l" defTabSz="914400" rtl="0" eaLnBrk="1" latinLnBrk="0" hangingPunct="1">
+              <a:lnSpc>
+                <a:spcPct val="90000"/>
+              </a:lnSpc>
+              <a:spcBef>
+                <a:spcPts val="1000"/>
+              </a:spcBef>
+              <a:buFont typeface="Arial" panose="020B0604020202020204" pitchFamily="34" charset="0"/>
+              <a:buChar char="•"/>
+              <a:defRPr sz="2800" kern="1200">
+                <a:solidFill>
+                  <a:schemeClr val="tx1"/>
+                </a:solidFill>
+                <a:latin typeface="Roboto" panose="02000000000000000000" pitchFamily="2" charset="0"/>
+                <a:ea typeface="Roboto" panose="02000000000000000000" pitchFamily="2" charset="0"/>
+                <a:cs typeface="Arial" panose="020B0604020202020204" pitchFamily="34" charset="0"/>
+              </a:defRPr>
+            </a:lvl1pPr>
+            <a:lvl2pPr marL="685800" indent="-228600" algn="l" defTabSz="914400" rtl="0" eaLnBrk="1" latinLnBrk="0" hangingPunct="1">
+              <a:lnSpc>
+                <a:spcPct val="90000"/>
+              </a:lnSpc>
+              <a:spcBef>
+                <a:spcPts val="500"/>
+              </a:spcBef>
+              <a:buFont typeface="Arial" panose="020B0604020202020204" pitchFamily="34" charset="0"/>
+              <a:buChar char="•"/>
+              <a:defRPr sz="2400" kern="1200">
+                <a:solidFill>
+                  <a:schemeClr val="tx1"/>
+                </a:solidFill>
+                <a:latin typeface="Roboto" panose="02000000000000000000" pitchFamily="2" charset="0"/>
+                <a:ea typeface="Roboto" panose="02000000000000000000" pitchFamily="2" charset="0"/>
+                <a:cs typeface="Arial" panose="020B0604020202020204" pitchFamily="34" charset="0"/>
+              </a:defRPr>
+            </a:lvl2pPr>
+            <a:lvl3pPr marL="1143000" indent="-228600" algn="l" defTabSz="914400" rtl="0" eaLnBrk="1" latinLnBrk="0" hangingPunct="1">
+              <a:lnSpc>
+                <a:spcPct val="90000"/>
+              </a:lnSpc>
+              <a:spcBef>
+                <a:spcPts val="500"/>
+              </a:spcBef>
+              <a:buFont typeface="Arial" panose="020B0604020202020204" pitchFamily="34" charset="0"/>
+              <a:buChar char="•"/>
+              <a:defRPr sz="2000" kern="1200">
+                <a:solidFill>
+                  <a:schemeClr val="tx1"/>
+                </a:solidFill>
+                <a:latin typeface="Roboto" panose="02000000000000000000" pitchFamily="2" charset="0"/>
+                <a:ea typeface="Roboto" panose="02000000000000000000" pitchFamily="2" charset="0"/>
+                <a:cs typeface="Arial" panose="020B0604020202020204" pitchFamily="34" charset="0"/>
+              </a:defRPr>
+            </a:lvl3pPr>
+            <a:lvl4pPr marL="1600200" indent="-228600" algn="l" defTabSz="914400" rtl="0" eaLnBrk="1" latinLnBrk="0" hangingPunct="1">
+              <a:lnSpc>
+                <a:spcPct val="90000"/>
+              </a:lnSpc>
+              <a:spcBef>
+                <a:spcPts val="500"/>
+              </a:spcBef>
+              <a:buFont typeface="Arial" panose="020B0604020202020204" pitchFamily="34" charset="0"/>
+              <a:buChar char="•"/>
+              <a:defRPr sz="1800" kern="1200">
+                <a:solidFill>
+                  <a:schemeClr val="tx1"/>
+                </a:solidFill>
+                <a:latin typeface="Roboto" panose="02000000000000000000" pitchFamily="2" charset="0"/>
+                <a:ea typeface="Roboto" panose="02000000000000000000" pitchFamily="2" charset="0"/>
+                <a:cs typeface="Arial" panose="020B0604020202020204" pitchFamily="34" charset="0"/>
+              </a:defRPr>
+            </a:lvl4pPr>
+            <a:lvl5pPr marL="2057400" indent="-228600" algn="l" defTabSz="914400" rtl="0" eaLnBrk="1" latinLnBrk="0" hangingPunct="1">
+              <a:lnSpc>
+                <a:spcPct val="90000"/>
+              </a:lnSpc>
+              <a:spcBef>
+                <a:spcPts val="500"/>
+              </a:spcBef>
+              <a:buFont typeface="Arial" panose="020B0604020202020204" pitchFamily="34" charset="0"/>
+              <a:buChar char="•"/>
+              <a:defRPr sz="1800" kern="1200">
+                <a:solidFill>
+                  <a:schemeClr val="tx1"/>
+                </a:solidFill>
+                <a:latin typeface="Roboto" panose="02000000000000000000" pitchFamily="2" charset="0"/>
+                <a:ea typeface="Roboto" panose="02000000000000000000" pitchFamily="2" charset="0"/>
+                <a:cs typeface="Arial" panose="020B0604020202020204" pitchFamily="34" charset="0"/>
+              </a:defRPr>
+            </a:lvl5pPr>
+            <a:lvl6pPr marL="2514600" indent="-228600" algn="l" defTabSz="914400" rtl="0" eaLnBrk="1" latinLnBrk="0" hangingPunct="1">
+              <a:lnSpc>
+                <a:spcPct val="90000"/>
+              </a:lnSpc>
+              <a:spcBef>
+                <a:spcPts val="500"/>
+              </a:spcBef>
+              <a:buFont typeface="Arial" panose="020B0604020202020204" pitchFamily="34" charset="0"/>
+              <a:buChar char="•"/>
+              <a:defRPr sz="1800" kern="1200">
+                <a:solidFill>
+                  <a:schemeClr val="tx1"/>
+                </a:solidFill>
+                <a:latin typeface="+mn-lt"/>
+                <a:ea typeface="+mn-ea"/>
+                <a:cs typeface="+mn-cs"/>
+              </a:defRPr>
+            </a:lvl6pPr>
+            <a:lvl7pPr marL="2971800" indent="-228600" algn="l" defTabSz="914400" rtl="0" eaLnBrk="1" latinLnBrk="0" hangingPunct="1">
+              <a:lnSpc>
+                <a:spcPct val="90000"/>
+              </a:lnSpc>
+              <a:spcBef>
+                <a:spcPts val="500"/>
+              </a:spcBef>
+              <a:buFont typeface="Arial" panose="020B0604020202020204" pitchFamily="34" charset="0"/>
+              <a:buChar char="•"/>
+              <a:defRPr sz="1800" kern="1200">
+                <a:solidFill>
+                  <a:schemeClr val="tx1"/>
+                </a:solidFill>
+                <a:latin typeface="+mn-lt"/>
+                <a:ea typeface="+mn-ea"/>
+                <a:cs typeface="+mn-cs"/>
+              </a:defRPr>
+            </a:lvl7pPr>
+            <a:lvl8pPr marL="3429000" indent="-228600" algn="l" defTabSz="914400" rtl="0" eaLnBrk="1" latinLnBrk="0" hangingPunct="1">
+              <a:lnSpc>
+                <a:spcPct val="90000"/>
+              </a:lnSpc>
+              <a:spcBef>
+                <a:spcPts val="500"/>
+              </a:spcBef>
+              <a:buFont typeface="Arial" panose="020B0604020202020204" pitchFamily="34" charset="0"/>
+              <a:buChar char="•"/>
+              <a:defRPr sz="1800" kern="1200">
+                <a:solidFill>
+                  <a:schemeClr val="tx1"/>
+                </a:solidFill>
+                <a:latin typeface="+mn-lt"/>
+                <a:ea typeface="+mn-ea"/>
+                <a:cs typeface="+mn-cs"/>
+              </a:defRPr>
+            </a:lvl8pPr>
+            <a:lvl9pPr marL="3886200" indent="-228600" algn="l" defTabSz="914400" rtl="0" eaLnBrk="1" latinLnBrk="0" hangingPunct="1">
+              <a:lnSpc>
+                <a:spcPct val="90000"/>
+              </a:lnSpc>
+              <a:spcBef>
+                <a:spcPts val="500"/>
+              </a:spcBef>
+              <a:buFont typeface="Arial" panose="020B0604020202020204" pitchFamily="34" charset="0"/>
+              <a:buChar char="•"/>
+              <a:defRPr sz="1800" kern="1200">
+                <a:solidFill>
+                  <a:schemeClr val="tx1"/>
+                </a:solidFill>
+                <a:latin typeface="+mn-lt"/>
+                <a:ea typeface="+mn-ea"/>
+                <a:cs typeface="+mn-cs"/>
+              </a:defRPr>
+            </a:lvl9pPr>
+          </a:lstStyle>
+          <a:p>
+            <a:pPr marL="0" indent="0">
+              <a:buFont typeface="Arial" panose="020B0604020202020204" pitchFamily="34" charset="0"/>
+              <a:buNone/>
+            </a:pPr>
+            <a:r>
+              <a:rPr lang="en-US" sz="2800" dirty="0">
+                <a:latin typeface="Franklin Gothic Book" panose="020B0503020102020204" pitchFamily="34" charset="0"/>
+              </a:rPr>
+              <a:t>Agenda</a:t>
+            </a:r>
+          </a:p>
+        </p:txBody>
+      </p:sp>
+      <p:grpSp>
+        <p:nvGrpSpPr>
+          <p:cNvPr id="9" name="Group 8">
+            <a:extLst>
+              <a:ext uri="{FF2B5EF4-FFF2-40B4-BE49-F238E27FC236}">
+                <a16:creationId xmlns:a16="http://schemas.microsoft.com/office/drawing/2014/main" id="{908C02AB-6A95-B2C0-46EA-98B9B0F54709}"/>
+              </a:ext>
+            </a:extLst>
+          </p:cNvPr>
+          <p:cNvGrpSpPr/>
+          <p:nvPr/>
+        </p:nvGrpSpPr>
+        <p:grpSpPr>
+          <a:xfrm>
+            <a:off x="2567937" y="3732738"/>
+            <a:ext cx="6195060" cy="457200"/>
+            <a:chOff x="2754630" y="1794510"/>
+            <a:chExt cx="6195060" cy="457200"/>
+          </a:xfrm>
+        </p:grpSpPr>
+        <p:sp>
+          <p:nvSpPr>
+            <p:cNvPr id="10" name="Rectangle 9">
+              <a:extLst>
+                <a:ext uri="{FF2B5EF4-FFF2-40B4-BE49-F238E27FC236}">
+                  <a16:creationId xmlns:a16="http://schemas.microsoft.com/office/drawing/2014/main" id="{01CB3466-9DA9-8BF4-52D3-DA1ABA898191}"/>
+                </a:ext>
+              </a:extLst>
+            </p:cNvPr>
+            <p:cNvSpPr/>
+            <p:nvPr/>
+          </p:nvSpPr>
+          <p:spPr>
+            <a:xfrm>
+              <a:off x="2754630" y="1794510"/>
+              <a:ext cx="182880" cy="457200"/>
+            </a:xfrm>
+            <a:prstGeom prst="rect">
+              <a:avLst/>
+            </a:prstGeom>
+            <a:solidFill>
+              <a:srgbClr val="D44A36"/>
+            </a:solidFill>
+            <a:ln>
+              <a:noFill/>
+            </a:ln>
+          </p:spPr>
+          <p:style>
+            <a:lnRef idx="2">
+              <a:schemeClr val="accent1">
+                <a:shade val="50000"/>
+              </a:schemeClr>
+            </a:lnRef>
+            <a:fillRef idx="1">
+              <a:schemeClr val="accent1"/>
+            </a:fillRef>
+            <a:effectRef idx="0">
+              <a:schemeClr val="accent1"/>
+            </a:effectRef>
+            <a:fontRef idx="minor">
+              <a:schemeClr val="lt1"/>
+            </a:fontRef>
+          </p:style>
+          <p:txBody>
+            <a:bodyPr rtlCol="0" anchor="ctr"/>
+            <a:lstStyle/>
+            <a:p>
+              <a:pPr algn="ctr"/>
+              <a:endParaRPr lang="en-US" sz="1801">
+                <a:solidFill>
+                  <a:srgbClr val="5870B6"/>
+                </a:solidFill>
+              </a:endParaRPr>
+            </a:p>
+          </p:txBody>
+        </p:sp>
+        <p:sp>
+          <p:nvSpPr>
+            <p:cNvPr id="11" name="Rectangle 10">
+              <a:extLst>
+                <a:ext uri="{FF2B5EF4-FFF2-40B4-BE49-F238E27FC236}">
+                  <a16:creationId xmlns:a16="http://schemas.microsoft.com/office/drawing/2014/main" id="{C6CC8720-520D-5F9F-4978-3FF98A29E3EB}"/>
+                </a:ext>
+              </a:extLst>
+            </p:cNvPr>
+            <p:cNvSpPr/>
+            <p:nvPr/>
+          </p:nvSpPr>
+          <p:spPr>
+            <a:xfrm>
+              <a:off x="2937510" y="2205990"/>
+              <a:ext cx="6012180" cy="45720"/>
+            </a:xfrm>
+            <a:prstGeom prst="rect">
+              <a:avLst/>
+            </a:prstGeom>
+            <a:solidFill>
+              <a:srgbClr val="D44A36"/>
+            </a:solidFill>
+            <a:ln>
+              <a:noFill/>
+            </a:ln>
+          </p:spPr>
+          <p:style>
+            <a:lnRef idx="2">
+              <a:schemeClr val="accent1">
+                <a:shade val="50000"/>
+              </a:schemeClr>
+            </a:lnRef>
+            <a:fillRef idx="1">
+              <a:schemeClr val="accent1"/>
+            </a:fillRef>
+            <a:effectRef idx="0">
+              <a:schemeClr val="accent1"/>
+            </a:effectRef>
+            <a:fontRef idx="minor">
+              <a:schemeClr val="lt1"/>
+            </a:fontRef>
+          </p:style>
+          <p:txBody>
+            <a:bodyPr rtlCol="0" anchor="ctr"/>
+            <a:lstStyle/>
+            <a:p>
+              <a:pPr algn="ctr"/>
+              <a:endParaRPr lang="en-US" sz="1801">
+                <a:solidFill>
+                  <a:srgbClr val="5870B6"/>
+                </a:solidFill>
+              </a:endParaRPr>
+            </a:p>
+          </p:txBody>
+        </p:sp>
+      </p:grpSp>
+    </p:spTree>
+    <p:extLst>
+      <p:ext uri="{BB962C8B-B14F-4D97-AF65-F5344CB8AC3E}">
+        <p14:creationId xmlns:p14="http://schemas.microsoft.com/office/powerpoint/2010/main" val="910394087"/>
+      </p:ext>
+    </p:extLst>
+  </p:cSld>
+  <p:clrMapOvr>
+    <a:masterClrMapping/>
+  </p:clrMapOvr>
+</p:sld>
+</file>
+
+<file path=ppt/slides/slide29.xml><?xml version="1.0" encoding="utf-8"?>
+<p:sld xmlns:a="http://schemas.openxmlformats.org/drawingml/2006/main" xmlns:r="http://schemas.openxmlformats.org/officeDocument/2006/relationships" xmlns:p="http://schemas.openxmlformats.org/presentationml/2006/main">
+  <p:cSld>
+    <p:spTree>
+      <p:nvGrpSpPr>
+        <p:cNvPr id="1" name=""/>
+        <p:cNvGrpSpPr/>
+        <p:nvPr/>
+      </p:nvGrpSpPr>
+      <p:grpSpPr>
+        <a:xfrm>
+          <a:off x="0" y="0"/>
+          <a:ext cx="0" cy="0"/>
+          <a:chOff x="0" y="0"/>
+          <a:chExt cx="0" cy="0"/>
+        </a:xfrm>
+      </p:grpSpPr>
+      <p:sp>
+        <p:nvSpPr>
+          <p:cNvPr id="3" name="Title 2">
+            <a:extLst>
+              <a:ext uri="{FF2B5EF4-FFF2-40B4-BE49-F238E27FC236}">
+                <a16:creationId xmlns:a16="http://schemas.microsoft.com/office/drawing/2014/main" id="{4287E034-E035-0F06-31B2-FEB776D878B2}"/>
+              </a:ext>
+            </a:extLst>
+          </p:cNvPr>
+          <p:cNvSpPr>
+            <a:spLocks noGrp="1"/>
+          </p:cNvSpPr>
+          <p:nvPr>
+            <p:ph type="title"/>
+          </p:nvPr>
+        </p:nvSpPr>
+        <p:spPr/>
+        <p:txBody>
+          <a:bodyPr/>
+          <a:lstStyle/>
+          <a:p>
+            <a:r>
+              <a:rPr lang="en-US" dirty="0"/>
+              <a:t>Bain &amp; Co – advising a medical devices company on SKU rationalization</a:t>
+            </a:r>
+          </a:p>
+        </p:txBody>
+      </p:sp>
+    </p:spTree>
+    <p:extLst>
+      <p:ext uri="{BB962C8B-B14F-4D97-AF65-F5344CB8AC3E}">
+        <p14:creationId xmlns:p14="http://schemas.microsoft.com/office/powerpoint/2010/main" val="2322642435"/>
+      </p:ext>
+    </p:extLst>
+  </p:cSld>
+  <p:clrMapOvr>
+    <a:masterClrMapping/>
+  </p:clrMapOvr>
+</p:sld>
+</file>
+
 <file path=ppt/slides/slide3.xml><?xml version="1.0" encoding="utf-8"?>
 <p:sld xmlns:a="http://schemas.openxmlformats.org/drawingml/2006/main" xmlns:r="http://schemas.openxmlformats.org/officeDocument/2006/relationships" xmlns:p="http://schemas.openxmlformats.org/presentationml/2006/main">
   <p:cSld>
@@ -14498,6 +15099,127 @@
     <p:extLst>
       <p:ext uri="{BB962C8B-B14F-4D97-AF65-F5344CB8AC3E}">
         <p14:creationId xmlns:p14="http://schemas.microsoft.com/office/powerpoint/2010/main" val="2288105706"/>
+      </p:ext>
+    </p:extLst>
+  </p:cSld>
+  <p:clrMapOvr>
+    <a:masterClrMapping/>
+  </p:clrMapOvr>
+</p:sld>
+</file>
+
+<file path=ppt/slides/slide30.xml><?xml version="1.0" encoding="utf-8"?>
+<p:sld xmlns:a="http://schemas.openxmlformats.org/drawingml/2006/main" xmlns:r="http://schemas.openxmlformats.org/officeDocument/2006/relationships" xmlns:p="http://schemas.openxmlformats.org/presentationml/2006/main">
+  <p:cSld>
+    <p:spTree>
+      <p:nvGrpSpPr>
+        <p:cNvPr id="1" name=""/>
+        <p:cNvGrpSpPr/>
+        <p:nvPr/>
+      </p:nvGrpSpPr>
+      <p:grpSpPr>
+        <a:xfrm>
+          <a:off x="0" y="0"/>
+          <a:ext cx="0" cy="0"/>
+          <a:chOff x="0" y="0"/>
+          <a:chExt cx="0" cy="0"/>
+        </a:xfrm>
+      </p:grpSpPr>
+      <p:sp>
+        <p:nvSpPr>
+          <p:cNvPr id="3" name="Title 2">
+            <a:extLst>
+              <a:ext uri="{FF2B5EF4-FFF2-40B4-BE49-F238E27FC236}">
+                <a16:creationId xmlns:a16="http://schemas.microsoft.com/office/drawing/2014/main" id="{4287E034-E035-0F06-31B2-FEB776D878B2}"/>
+              </a:ext>
+            </a:extLst>
+          </p:cNvPr>
+          <p:cNvSpPr>
+            <a:spLocks noGrp="1"/>
+          </p:cNvSpPr>
+          <p:nvPr>
+            <p:ph type="title"/>
+          </p:nvPr>
+        </p:nvSpPr>
+        <p:spPr/>
+        <p:txBody>
+          <a:bodyPr/>
+          <a:lstStyle/>
+          <a:p>
+            <a:r>
+              <a:rPr lang="en-US" dirty="0"/>
+              <a:t>Kaplan Test Prep – market research on LMS systems using Capterra</a:t>
+            </a:r>
+          </a:p>
+        </p:txBody>
+      </p:sp>
+    </p:spTree>
+    <p:extLst>
+      <p:ext uri="{BB962C8B-B14F-4D97-AF65-F5344CB8AC3E}">
+        <p14:creationId xmlns:p14="http://schemas.microsoft.com/office/powerpoint/2010/main" val="1873308237"/>
+      </p:ext>
+    </p:extLst>
+  </p:cSld>
+  <p:clrMapOvr>
+    <a:masterClrMapping/>
+  </p:clrMapOvr>
+</p:sld>
+</file>
+
+<file path=ppt/slides/slide31.xml><?xml version="1.0" encoding="utf-8"?>
+<p:sld xmlns:a="http://schemas.openxmlformats.org/drawingml/2006/main" xmlns:r="http://schemas.openxmlformats.org/officeDocument/2006/relationships" xmlns:p="http://schemas.openxmlformats.org/presentationml/2006/main">
+  <p:cSld>
+    <p:spTree>
+      <p:nvGrpSpPr>
+        <p:cNvPr id="1" name=""/>
+        <p:cNvGrpSpPr/>
+        <p:nvPr/>
+      </p:nvGrpSpPr>
+      <p:grpSpPr>
+        <a:xfrm>
+          <a:off x="0" y="0"/>
+          <a:ext cx="0" cy="0"/>
+          <a:chOff x="0" y="0"/>
+          <a:chExt cx="0" cy="0"/>
+        </a:xfrm>
+      </p:grpSpPr>
+      <p:sp>
+        <p:nvSpPr>
+          <p:cNvPr id="3" name="Title 2">
+            <a:extLst>
+              <a:ext uri="{FF2B5EF4-FFF2-40B4-BE49-F238E27FC236}">
+                <a16:creationId xmlns:a16="http://schemas.microsoft.com/office/drawing/2014/main" id="{4287E034-E035-0F06-31B2-FEB776D878B2}"/>
+              </a:ext>
+            </a:extLst>
+          </p:cNvPr>
+          <p:cNvSpPr>
+            <a:spLocks noGrp="1"/>
+          </p:cNvSpPr>
+          <p:nvPr>
+            <p:ph type="title"/>
+          </p:nvPr>
+        </p:nvSpPr>
+        <p:spPr/>
+        <p:txBody>
+          <a:bodyPr/>
+          <a:lstStyle/>
+          <a:p>
+            <a:r>
+              <a:rPr lang="en-US" dirty="0"/>
+              <a:t>Job interview – scraping tutors from several popular international language </a:t>
+            </a:r>
+            <a:r>
+              <a:rPr lang="en-US"/>
+              <a:t>tutoring services</a:t>
+            </a:r>
+            <a:endParaRPr lang="en-US" dirty="0"/>
+          </a:p>
+        </p:txBody>
+      </p:sp>
+    </p:spTree>
+    <p:extLst>
+      <p:ext uri="{BB962C8B-B14F-4D97-AF65-F5344CB8AC3E}">
+        <p14:creationId xmlns:p14="http://schemas.microsoft.com/office/powerpoint/2010/main" val="1071315226"/>
       </p:ext>
     </p:extLst>
   </p:cSld>
